--- a/docs/tracking_journal/fig/hybrid_controller_v2.pptx
+++ b/docs/tracking_journal/fig/hybrid_controller_v2.pptx
@@ -243,7 +243,7 @@
           <a:p>
             <a:fld id="{C48BF103-B019-4C03-B7DF-16D4A730CE6A}" type="datetimeFigureOut">
               <a:rPr lang="en-US" smtClean="0"/>
-              <a:t>17/03/06</a:t>
+              <a:t>6/14/18</a:t>
             </a:fld>
             <a:endParaRPr lang="en-US"/>
           </a:p>
@@ -413,7 +413,7 @@
           <a:p>
             <a:fld id="{C48BF103-B019-4C03-B7DF-16D4A730CE6A}" type="datetimeFigureOut">
               <a:rPr lang="en-US" smtClean="0"/>
-              <a:t>17/03/06</a:t>
+              <a:t>6/14/18</a:t>
             </a:fld>
             <a:endParaRPr lang="en-US"/>
           </a:p>
@@ -593,7 +593,7 @@
           <a:p>
             <a:fld id="{C48BF103-B019-4C03-B7DF-16D4A730CE6A}" type="datetimeFigureOut">
               <a:rPr lang="en-US" smtClean="0"/>
-              <a:t>17/03/06</a:t>
+              <a:t>6/14/18</a:t>
             </a:fld>
             <a:endParaRPr lang="en-US"/>
           </a:p>
@@ -763,7 +763,7 @@
           <a:p>
             <a:fld id="{C48BF103-B019-4C03-B7DF-16D4A730CE6A}" type="datetimeFigureOut">
               <a:rPr lang="en-US" smtClean="0"/>
-              <a:t>17/03/06</a:t>
+              <a:t>6/14/18</a:t>
             </a:fld>
             <a:endParaRPr lang="en-US"/>
           </a:p>
@@ -1009,7 +1009,7 @@
           <a:p>
             <a:fld id="{C48BF103-B019-4C03-B7DF-16D4A730CE6A}" type="datetimeFigureOut">
               <a:rPr lang="en-US" smtClean="0"/>
-              <a:t>17/03/06</a:t>
+              <a:t>6/14/18</a:t>
             </a:fld>
             <a:endParaRPr lang="en-US"/>
           </a:p>
@@ -1241,7 +1241,7 @@
           <a:p>
             <a:fld id="{C48BF103-B019-4C03-B7DF-16D4A730CE6A}" type="datetimeFigureOut">
               <a:rPr lang="en-US" smtClean="0"/>
-              <a:t>17/03/06</a:t>
+              <a:t>6/14/18</a:t>
             </a:fld>
             <a:endParaRPr lang="en-US"/>
           </a:p>
@@ -1608,7 +1608,7 @@
           <a:p>
             <a:fld id="{C48BF103-B019-4C03-B7DF-16D4A730CE6A}" type="datetimeFigureOut">
               <a:rPr lang="en-US" smtClean="0"/>
-              <a:t>17/03/06</a:t>
+              <a:t>6/14/18</a:t>
             </a:fld>
             <a:endParaRPr lang="en-US"/>
           </a:p>
@@ -1726,7 +1726,7 @@
           <a:p>
             <a:fld id="{C48BF103-B019-4C03-B7DF-16D4A730CE6A}" type="datetimeFigureOut">
               <a:rPr lang="en-US" smtClean="0"/>
-              <a:t>17/03/06</a:t>
+              <a:t>6/14/18</a:t>
             </a:fld>
             <a:endParaRPr lang="en-US"/>
           </a:p>
@@ -1821,7 +1821,7 @@
           <a:p>
             <a:fld id="{C48BF103-B019-4C03-B7DF-16D4A730CE6A}" type="datetimeFigureOut">
               <a:rPr lang="en-US" smtClean="0"/>
-              <a:t>17/03/06</a:t>
+              <a:t>6/14/18</a:t>
             </a:fld>
             <a:endParaRPr lang="en-US"/>
           </a:p>
@@ -2098,7 +2098,7 @@
           <a:p>
             <a:fld id="{C48BF103-B019-4C03-B7DF-16D4A730CE6A}" type="datetimeFigureOut">
               <a:rPr lang="en-US" smtClean="0"/>
-              <a:t>17/03/06</a:t>
+              <a:t>6/14/18</a:t>
             </a:fld>
             <a:endParaRPr lang="en-US"/>
           </a:p>
@@ -2355,7 +2355,7 @@
           <a:p>
             <a:fld id="{C48BF103-B019-4C03-B7DF-16D4A730CE6A}" type="datetimeFigureOut">
               <a:rPr lang="en-US" smtClean="0"/>
-              <a:t>17/03/06</a:t>
+              <a:t>6/14/18</a:t>
             </a:fld>
             <a:endParaRPr lang="en-US"/>
           </a:p>
@@ -2568,7 +2568,7 @@
           <a:p>
             <a:fld id="{C48BF103-B019-4C03-B7DF-16D4A730CE6A}" type="datetimeFigureOut">
               <a:rPr lang="en-US" smtClean="0"/>
-              <a:t>17/03/06</a:t>
+              <a:t>6/14/18</a:t>
             </a:fld>
             <a:endParaRPr lang="en-US"/>
           </a:p>
@@ -2981,8 +2981,8 @@
         </p:nvSpPr>
         <p:spPr>
           <a:xfrm>
-            <a:off x="1790700" y="330200"/>
-            <a:ext cx="5904705" cy="3130549"/>
+            <a:off x="1790699" y="330200"/>
+            <a:ext cx="6838951" cy="3130549"/>
           </a:xfrm>
           <a:prstGeom prst="roundRect">
             <a:avLst/>
@@ -3020,7 +3020,7 @@
         <p:spPr>
           <a:xfrm>
             <a:off x="5714313" y="1882233"/>
-            <a:ext cx="1849349" cy="1426117"/>
+            <a:ext cx="2768379" cy="1426117"/>
           </a:xfrm>
           <a:prstGeom prst="roundRect">
             <a:avLst/>
@@ -3058,7 +3058,7 @@
         <p:spPr>
           <a:xfrm>
             <a:off x="5714313" y="711201"/>
-            <a:ext cx="1849349" cy="900724"/>
+            <a:ext cx="2768379" cy="900724"/>
           </a:xfrm>
           <a:prstGeom prst="roundRect">
             <a:avLst/>
@@ -3098,8 +3098,8 @@
         </p:nvSpPr>
         <p:spPr>
           <a:xfrm>
-            <a:off x="5816880" y="1861602"/>
-            <a:ext cx="1726691" cy="369332"/>
+            <a:off x="6112991" y="1861919"/>
+            <a:ext cx="2006404" cy="646331"/>
           </a:xfrm>
           <a:prstGeom prst="rect">
             <a:avLst/>
@@ -3107,14 +3107,15 @@
           <a:noFill/>
         </p:spPr>
         <p:txBody>
-          <a:bodyPr wrap="none" rtlCol="0">
+          <a:bodyPr wrap="square" rtlCol="0">
             <a:spAutoFit/>
           </a:bodyPr>
           <a:lstStyle/>
           <a:p>
+            <a:pPr algn="ctr"/>
             <a:r>
               <a:rPr lang="en-US" dirty="0"/>
-              <a:t>Safety controller</a:t>
+              <a:t>Optimal tracking controller</a:t>
             </a:r>
           </a:p>
         </p:txBody>
@@ -3346,8 +3347,8 @@
         </p:nvSpPr>
         <p:spPr>
           <a:xfrm>
-            <a:off x="5872157" y="2248647"/>
-            <a:ext cx="1584730" cy="918812"/>
+            <a:off x="5872157" y="2480611"/>
+            <a:ext cx="2488072" cy="686848"/>
           </a:xfrm>
           <a:prstGeom prst="roundRect">
             <a:avLst/>
@@ -3374,7 +3375,7 @@
             <a:pPr algn="ctr"/>
             <a:r>
               <a:rPr lang="en-US" dirty="0"/>
-              <a:t>Safety controller look-up table</a:t>
+              <a:t>Optimal tracking controller look-up table</a:t>
             </a:r>
           </a:p>
         </p:txBody>
